--- a/SOCI2010 Tutorial 1.pptx
+++ b/SOCI2010 Tutorial 1.pptx
@@ -222,7 +222,7 @@
           <a:p>
             <a:fld id="{28C12EA0-1810-4788-AA6D-54D171908D2E}" type="datetimeFigureOut">
               <a:rPr lang="en-GB" smtClean="0"/>
-              <a:t>20/01/2024</a:t>
+              <a:t>21/02/2024</a:t>
             </a:fld>
             <a:endParaRPr lang="en-GB"/>
           </a:p>
@@ -3617,7 +3617,7 @@
           <a:p>
             <a:fld id="{52C57F65-6D2C-4AA8-B9E9-BDC7D6A96B71}" type="datetime1">
               <a:rPr lang="en-GB" altLang="zh-HK" smtClean="0"/>
-              <a:t>20/01/2024</a:t>
+              <a:t>21/02/2024</a:t>
             </a:fld>
             <a:endParaRPr lang="en-GB"/>
           </a:p>
@@ -3790,7 +3790,7 @@
           <a:p>
             <a:fld id="{FBBD1583-426E-4705-B913-CE4EBD773E9B}" type="datetime1">
               <a:rPr lang="en-GB" altLang="zh-HK" smtClean="0"/>
-              <a:t>20/01/2024</a:t>
+              <a:t>21/02/2024</a:t>
             </a:fld>
             <a:endParaRPr lang="en-GB"/>
           </a:p>
@@ -3973,7 +3973,7 @@
           <a:p>
             <a:fld id="{8AC239B4-4E19-48BB-A785-18ED7FD5449F}" type="datetime1">
               <a:rPr lang="en-GB" altLang="zh-HK" smtClean="0"/>
-              <a:t>20/01/2024</a:t>
+              <a:t>21/02/2024</a:t>
             </a:fld>
             <a:endParaRPr lang="en-GB"/>
           </a:p>
@@ -4146,7 +4146,7 @@
           <a:p>
             <a:fld id="{FBD51254-4E40-4992-8B1F-ADAA53DB4BA7}" type="datetime1">
               <a:rPr lang="en-GB" altLang="zh-HK" smtClean="0"/>
-              <a:t>20/01/2024</a:t>
+              <a:t>21/02/2024</a:t>
             </a:fld>
             <a:endParaRPr lang="en-GB"/>
           </a:p>
@@ -4395,7 +4395,7 @@
           <a:p>
             <a:fld id="{2D41C9EA-412D-443B-86F7-30783988FB6E}" type="datetime1">
               <a:rPr lang="en-GB" altLang="zh-HK" smtClean="0"/>
-              <a:t>20/01/2024</a:t>
+              <a:t>21/02/2024</a:t>
             </a:fld>
             <a:endParaRPr lang="en-GB"/>
           </a:p>
@@ -4686,7 +4686,7 @@
           <a:p>
             <a:fld id="{D476599A-FB6F-42F4-9C42-D7C2DBD56FB1}" type="datetime1">
               <a:rPr lang="en-GB" altLang="zh-HK" smtClean="0"/>
-              <a:t>20/01/2024</a:t>
+              <a:t>21/02/2024</a:t>
             </a:fld>
             <a:endParaRPr lang="en-GB"/>
           </a:p>
@@ -5111,7 +5111,7 @@
           <a:p>
             <a:fld id="{E5D0BD50-9C40-4C0E-83A1-21465467C01F}" type="datetime1">
               <a:rPr lang="en-GB" altLang="zh-HK" smtClean="0"/>
-              <a:t>20/01/2024</a:t>
+              <a:t>21/02/2024</a:t>
             </a:fld>
             <a:endParaRPr lang="en-GB"/>
           </a:p>
@@ -5232,7 +5232,7 @@
           <a:p>
             <a:fld id="{81C634AC-FED1-42BF-8A6C-A10F3A7534BD}" type="datetime1">
               <a:rPr lang="en-GB" altLang="zh-HK" smtClean="0"/>
-              <a:t>20/01/2024</a:t>
+              <a:t>21/02/2024</a:t>
             </a:fld>
             <a:endParaRPr lang="en-GB"/>
           </a:p>
@@ -5330,7 +5330,7 @@
           <a:p>
             <a:fld id="{6D206E83-D0ED-4951-8639-881AC02293D0}" type="datetime1">
               <a:rPr lang="en-GB" altLang="zh-HK" smtClean="0"/>
-              <a:t>20/01/2024</a:t>
+              <a:t>21/02/2024</a:t>
             </a:fld>
             <a:endParaRPr lang="en-GB"/>
           </a:p>
@@ -5610,7 +5610,7 @@
           <a:p>
             <a:fld id="{BC2F9B0E-6A3D-4308-A95F-BF160E165543}" type="datetime1">
               <a:rPr lang="en-GB" altLang="zh-HK" smtClean="0"/>
-              <a:t>20/01/2024</a:t>
+              <a:t>21/02/2024</a:t>
             </a:fld>
             <a:endParaRPr lang="en-GB"/>
           </a:p>
@@ -5866,7 +5866,7 @@
           <a:p>
             <a:fld id="{012C536E-D74E-42FE-8AE7-443E0E46C26E}" type="datetime1">
               <a:rPr lang="en-GB" altLang="zh-HK" smtClean="0"/>
-              <a:t>20/01/2024</a:t>
+              <a:t>21/02/2024</a:t>
             </a:fld>
             <a:endParaRPr lang="en-GB"/>
           </a:p>
@@ -6082,7 +6082,7 @@
           <a:p>
             <a:fld id="{1E56649D-9282-4789-B15B-75D77CA2F714}" type="datetime1">
               <a:rPr lang="en-GB" altLang="zh-HK" smtClean="0"/>
-              <a:t>20/01/2024</a:t>
+              <a:t>21/02/2024</a:t>
             </a:fld>
             <a:endParaRPr lang="en-GB"/>
           </a:p>
@@ -6571,7 +6571,7 @@
             </a:pPr>
             <a:r>
               <a:rPr lang="en-GB" sz="2000" dirty="0"/>
-              <a:t>Jan 17, 2024</a:t>
+              <a:t>Jan 31, 2024</a:t>
             </a:r>
           </a:p>
         </p:txBody>
@@ -7774,7 +7774,15 @@
           <a:p>
             <a:r>
               <a:rPr lang="en-US" altLang="zh-HK" dirty="0"/>
-              <a:t>Wanying LING, PhD First-year PhD student</a:t>
+              <a:t>Wanying LING</a:t>
+            </a:r>
+            <a:r>
+              <a:rPr lang="en-US" altLang="zh-HK"/>
+              <a:t>, First-year </a:t>
+            </a:r>
+            <a:r>
+              <a:rPr lang="en-US" altLang="zh-HK" dirty="0"/>
+              <a:t>PhD student</a:t>
             </a:r>
           </a:p>
           <a:p>
@@ -8049,7 +8057,7 @@
             </a:r>
             <a:r>
               <a:rPr lang="en-US" altLang="zh-HK" b="1" dirty="0"/>
-              <a:t>Wednesdays and Thursdays</a:t>
+              <a:t>within 24 hours</a:t>
             </a:r>
           </a:p>
           <a:p>
@@ -8675,14 +8683,14 @@
             <p:ph idx="1"/>
             <p:extLst>
               <p:ext uri="{D42A27DB-BD31-4B8C-83A1-F6EECF244321}">
-                <p14:modId xmlns:p14="http://schemas.microsoft.com/office/powerpoint/2010/main" val="2380356288"/>
+                <p14:modId xmlns:p14="http://schemas.microsoft.com/office/powerpoint/2010/main" val="4122013973"/>
               </p:ext>
             </p:extLst>
           </p:nvPr>
         </p:nvGraphicFramePr>
         <p:xfrm>
           <a:off x="827584" y="1196752"/>
-          <a:ext cx="7704857" cy="5018725"/>
+          <a:ext cx="7704857" cy="4999659"/>
         </p:xfrm>
         <a:graphic>
           <a:graphicData uri="http://schemas.openxmlformats.org/drawingml/2006/table">
@@ -8719,7 +8727,7 @@
                     <a:p>
                       <a:pPr algn="l" fontAlgn="ctr"/>
                       <a:r>
-                        <a:rPr lang="en-US" sz="1600" b="1" i="0" u="none" strike="noStrike">
+                        <a:rPr lang="en-US" sz="1600" b="1" i="0" u="none" strike="noStrike" dirty="0">
                           <a:solidFill>
                             <a:srgbClr val="000000"/>
                           </a:solidFill>
@@ -8884,161 +8892,6 @@
                   </a:ext>
                 </a:extLst>
               </a:tr>
-              <a:tr h="497054">
-                <a:tc>
-                  <a:txBody>
-                    <a:bodyPr/>
-                    <a:lstStyle/>
-                    <a:p>
-                      <a:pPr algn="l" fontAlgn="ctr"/>
-                      <a:r>
-                        <a:rPr lang="en-US" sz="1600" b="0" i="0" u="none" strike="noStrike" dirty="0">
-                          <a:solidFill>
-                            <a:srgbClr val="000000"/>
-                          </a:solidFill>
-                          <a:effectLst/>
-                          <a:latin typeface="+mj-lt"/>
-                          <a:ea typeface="新細明體" panose="02020500000000000000" pitchFamily="18" charset="-120"/>
-                        </a:rPr>
-                        <a:t>T1 (Jan 24)</a:t>
-                      </a:r>
-                    </a:p>
-                  </a:txBody>
-                  <a:tcPr marL="9056" marR="9056" marT="9056" marB="0" anchor="ctr">
-                    <a:lnL>
-                      <a:noFill/>
-                    </a:lnL>
-                    <a:lnR>
-                      <a:noFill/>
-                    </a:lnR>
-                    <a:lnT w="6350" cap="flat" cmpd="sng" algn="ctr">
-                      <a:solidFill>
-                        <a:srgbClr val="000000"/>
-                      </a:solidFill>
-                      <a:prstDash val="solid"/>
-                      <a:round/>
-                      <a:headEnd type="none" w="med" len="med"/>
-                      <a:tailEnd type="none" w="med" len="med"/>
-                    </a:lnT>
-                    <a:lnB>
-                      <a:noFill/>
-                    </a:lnB>
-                    <a:noFill/>
-                  </a:tcPr>
-                </a:tc>
-                <a:tc>
-                  <a:txBody>
-                    <a:bodyPr/>
-                    <a:lstStyle/>
-                    <a:p>
-                      <a:pPr algn="l" fontAlgn="ctr"/>
-                      <a:r>
-                        <a:rPr lang="en-US" sz="1600" b="0" i="0" u="none" strike="noStrike">
-                          <a:solidFill>
-                            <a:srgbClr val="000000"/>
-                          </a:solidFill>
-                          <a:effectLst/>
-                          <a:latin typeface="+mj-lt"/>
-                          <a:ea typeface="新細明體" panose="02020500000000000000" pitchFamily="18" charset="-120"/>
-                        </a:rPr>
-                        <a:t> - Get into teams. </a:t>
-                      </a:r>
-                      <a:br>
-                        <a:rPr lang="en-US" sz="1600" b="0" i="0" u="none" strike="noStrike">
-                          <a:solidFill>
-                            <a:srgbClr val="000000"/>
-                          </a:solidFill>
-                          <a:effectLst/>
-                          <a:latin typeface="+mj-lt"/>
-                          <a:ea typeface="新細明體" panose="02020500000000000000" pitchFamily="18" charset="-120"/>
-                        </a:rPr>
-                      </a:br>
-                      <a:r>
-                        <a:rPr lang="en-US" sz="1600" b="0" i="0" u="none" strike="noStrike">
-                          <a:solidFill>
-                            <a:srgbClr val="000000"/>
-                          </a:solidFill>
-                          <a:effectLst/>
-                          <a:latin typeface="+mj-lt"/>
-                          <a:ea typeface="新細明體" panose="02020500000000000000" pitchFamily="18" charset="-120"/>
-                        </a:rPr>
-                        <a:t> - Start our awesome group project.</a:t>
-                      </a:r>
-                    </a:p>
-                  </a:txBody>
-                  <a:tcPr marL="9056" marR="9056" marT="9056" marB="0" anchor="ctr">
-                    <a:lnL>
-                      <a:noFill/>
-                    </a:lnL>
-                    <a:lnR>
-                      <a:noFill/>
-                    </a:lnR>
-                    <a:lnT w="6350" cap="flat" cmpd="sng" algn="ctr">
-                      <a:solidFill>
-                        <a:srgbClr val="000000"/>
-                      </a:solidFill>
-                      <a:prstDash val="solid"/>
-                      <a:round/>
-                      <a:headEnd type="none" w="med" len="med"/>
-                      <a:tailEnd type="none" w="med" len="med"/>
-                    </a:lnT>
-                    <a:lnB>
-                      <a:noFill/>
-                    </a:lnB>
-                    <a:solidFill>
-                      <a:srgbClr val="FFF2CC"/>
-                    </a:solidFill>
-                  </a:tcPr>
-                </a:tc>
-                <a:tc>
-                  <a:txBody>
-                    <a:bodyPr/>
-                    <a:lstStyle/>
-                    <a:p>
-                      <a:pPr algn="l" fontAlgn="ctr"/>
-                      <a:r>
-                        <a:rPr lang="en-US" sz="1600" b="0" i="0" u="none" strike="noStrike">
-                          <a:solidFill>
-                            <a:srgbClr val="000000"/>
-                          </a:solidFill>
-                          <a:effectLst/>
-                          <a:latin typeface="+mj-lt"/>
-                          <a:ea typeface="新細明體" panose="02020500000000000000" pitchFamily="18" charset="-120"/>
-                        </a:rPr>
-                        <a:t>Just show up and be ready to team up!</a:t>
-                      </a:r>
-                    </a:p>
-                  </a:txBody>
-                  <a:tcPr marL="9056" marR="9056" marT="9056" marB="0" anchor="ctr">
-                    <a:lnL>
-                      <a:noFill/>
-                    </a:lnL>
-                    <a:lnR>
-                      <a:noFill/>
-                    </a:lnR>
-                    <a:lnT w="6350" cap="flat" cmpd="sng" algn="ctr">
-                      <a:solidFill>
-                        <a:srgbClr val="000000"/>
-                      </a:solidFill>
-                      <a:prstDash val="solid"/>
-                      <a:round/>
-                      <a:headEnd type="none" w="med" len="med"/>
-                      <a:tailEnd type="none" w="med" len="med"/>
-                    </a:lnT>
-                    <a:lnB>
-                      <a:noFill/>
-                    </a:lnB>
-                    <a:solidFill>
-                      <a:srgbClr val="DDEBF7"/>
-                    </a:solidFill>
-                  </a:tcPr>
-                </a:tc>
-                <a:extLst>
-                  <a:ext uri="{0D108BD9-81ED-4DB2-BD59-A6C34878D82A}">
-                    <a16:rowId xmlns:a16="http://schemas.microsoft.com/office/drawing/2014/main" val="971326506"/>
-                  </a:ext>
-                </a:extLst>
-              </a:tr>
               <a:tr h="248528">
                 <a:tc>
                   <a:txBody>
@@ -9055,7 +8908,7 @@
                           <a:latin typeface="+mj-lt"/>
                           <a:ea typeface="新細明體" panose="02020500000000000000" pitchFamily="18" charset="-120"/>
                         </a:rPr>
-                        <a:t>T2 (Jan 31)</a:t>
+                        <a:t>T1 (Jan 31)</a:t>
                       </a:r>
                     </a:p>
                   </a:txBody>
@@ -9066,8 +8919,14 @@
                     <a:lnR>
                       <a:noFill/>
                     </a:lnR>
-                    <a:lnT>
-                      <a:noFill/>
+                    <a:lnT w="6350" cap="flat" cmpd="sng" algn="ctr">
+                      <a:solidFill>
+                        <a:srgbClr val="000000"/>
+                      </a:solidFill>
+                      <a:prstDash val="solid"/>
+                      <a:round/>
+                      <a:headEnd type="none" w="med" len="med"/>
+                      <a:tailEnd type="none" w="med" len="med"/>
                     </a:lnT>
                     <a:lnB>
                       <a:noFill/>
@@ -9080,18 +8939,66 @@
                     <a:bodyPr/>
                     <a:lstStyle/>
                     <a:p>
-                      <a:pPr algn="l" fontAlgn="ctr"/>
+                      <a:pPr marL="0" marR="0" lvl="0" indent="0" algn="l" defTabSz="914400" rtl="0" eaLnBrk="1" fontAlgn="ctr" latinLnBrk="0" hangingPunct="1">
+                        <a:lnSpc>
+                          <a:spcPct val="100000"/>
+                        </a:lnSpc>
+                        <a:spcBef>
+                          <a:spcPts val="0"/>
+                        </a:spcBef>
+                        <a:spcAft>
+                          <a:spcPts val="0"/>
+                        </a:spcAft>
+                        <a:buClrTx/>
+                        <a:buSzTx/>
+                        <a:buFontTx/>
+                        <a:buNone/>
+                        <a:tabLst/>
+                        <a:defRPr/>
+                      </a:pPr>
                       <a:r>
-                        <a:rPr lang="en-US" sz="1600" b="0" i="0" u="none" strike="noStrike">
+                        <a:rPr lang="en-US" altLang="zh-HK" sz="1600" b="0" i="0" u="none" strike="noStrike" kern="1200" dirty="0">
                           <a:solidFill>
                             <a:srgbClr val="000000"/>
                           </a:solidFill>
                           <a:effectLst/>
-                          <a:latin typeface="+mj-lt"/>
-                          <a:ea typeface="新細明體" panose="02020500000000000000" pitchFamily="18" charset="-120"/>
+                          <a:latin typeface="+mn-lt"/>
+                          <a:ea typeface="+mn-ea"/>
+                          <a:cs typeface="+mn-cs"/>
                         </a:rPr>
-                        <a:t>- Pick an article and dive into it.</a:t>
+                        <a:t> - Get into teams. </a:t>
                       </a:r>
+                      <a:br>
+                        <a:rPr lang="en-US" altLang="zh-HK" sz="1600" b="0" i="0" u="none" strike="noStrike" kern="1200" dirty="0">
+                          <a:solidFill>
+                            <a:srgbClr val="000000"/>
+                          </a:solidFill>
+                          <a:effectLst/>
+                          <a:latin typeface="+mn-lt"/>
+                          <a:ea typeface="+mn-ea"/>
+                          <a:cs typeface="+mn-cs"/>
+                        </a:rPr>
+                      </a:br>
+                      <a:r>
+                        <a:rPr lang="en-US" altLang="zh-HK" sz="1600" b="0" i="0" u="none" strike="noStrike" kern="1200" dirty="0">
+                          <a:solidFill>
+                            <a:srgbClr val="000000"/>
+                          </a:solidFill>
+                          <a:effectLst/>
+                          <a:latin typeface="+mn-lt"/>
+                          <a:ea typeface="+mn-ea"/>
+                          <a:cs typeface="+mn-cs"/>
+                        </a:rPr>
+                        <a:t> - Start our awesome group project.</a:t>
+                      </a:r>
+                      <a:endParaRPr lang="en-US" sz="1600" b="0" i="0" u="none" strike="noStrike" dirty="0">
+                        <a:solidFill>
+                          <a:srgbClr val="000000"/>
+                        </a:solidFill>
+                        <a:effectLst/>
+                        <a:latin typeface="+mj-lt"/>
+                        <a:ea typeface="新細明體" panose="02020500000000000000" pitchFamily="18" charset="-120"/>
+                      </a:endParaRPr>
                     </a:p>
                   </a:txBody>
                   <a:tcPr marL="9056" marR="9056" marT="9056" marB="0" anchor="ctr">
@@ -9101,8 +9008,14 @@
                     <a:lnR>
                       <a:noFill/>
                     </a:lnR>
-                    <a:lnT>
-                      <a:noFill/>
+                    <a:lnT w="6350" cap="flat" cmpd="sng" algn="ctr">
+                      <a:solidFill>
+                        <a:srgbClr val="000000"/>
+                      </a:solidFill>
+                      <a:prstDash val="solid"/>
+                      <a:round/>
+                      <a:headEnd type="none" w="med" len="med"/>
+                      <a:tailEnd type="none" w="med" len="med"/>
                     </a:lnT>
                     <a:lnB>
                       <a:noFill/>
@@ -9117,9 +9030,37 @@
                     <a:bodyPr/>
                     <a:lstStyle/>
                     <a:p>
-                      <a:pPr algn="l" fontAlgn="ctr"/>
+                      <a:pPr marL="0" marR="0" lvl="0" indent="0" algn="l" defTabSz="914400" rtl="0" eaLnBrk="1" fontAlgn="ctr" latinLnBrk="0" hangingPunct="1">
+                        <a:lnSpc>
+                          <a:spcPct val="100000"/>
+                        </a:lnSpc>
+                        <a:spcBef>
+                          <a:spcPts val="0"/>
+                        </a:spcBef>
+                        <a:spcAft>
+                          <a:spcPts val="0"/>
+                        </a:spcAft>
+                        <a:buClrTx/>
+                        <a:buSzTx/>
+                        <a:buFontTx/>
+                        <a:buNone/>
+                        <a:tabLst/>
+                        <a:defRPr/>
+                      </a:pPr>
                       <a:r>
-                        <a:rPr lang="zh-HK" altLang="en-US" sz="1600" b="0" i="0" u="none" strike="noStrike">
+                        <a:rPr lang="en-US" altLang="zh-HK" sz="1600" b="0" i="0" u="none" strike="noStrike" kern="1200" dirty="0">
+                          <a:solidFill>
+                            <a:srgbClr val="000000"/>
+                          </a:solidFill>
+                          <a:effectLst/>
+                          <a:latin typeface="+mn-lt"/>
+                          <a:ea typeface="+mn-ea"/>
+                          <a:cs typeface="+mn-cs"/>
+                        </a:rPr>
+                        <a:t>Just show up and be ready to team up!</a:t>
+                      </a:r>
+                      <a:r>
+                        <a:rPr lang="zh-HK" altLang="en-US" sz="1600" b="0" i="0" u="none" strike="noStrike" dirty="0">
                           <a:solidFill>
                             <a:srgbClr val="000000"/>
                           </a:solidFill>
@@ -9138,8 +9079,14 @@
                     <a:lnR>
                       <a:noFill/>
                     </a:lnR>
-                    <a:lnT>
-                      <a:noFill/>
+                    <a:lnT w="6350" cap="flat" cmpd="sng" algn="ctr">
+                      <a:solidFill>
+                        <a:srgbClr val="000000"/>
+                      </a:solidFill>
+                      <a:prstDash val="solid"/>
+                      <a:round/>
+                      <a:headEnd type="none" w="med" len="med"/>
+                      <a:tailEnd type="none" w="med" len="med"/>
                     </a:lnT>
                     <a:lnB>
                       <a:noFill/>
@@ -9171,7 +9118,7 @@
                           <a:latin typeface="+mj-lt"/>
                           <a:ea typeface="新細明體" panose="02020500000000000000" pitchFamily="18" charset="-120"/>
                         </a:rPr>
-                        <a:t>T3 (Feb 7)</a:t>
+                        <a:t>T2 (Feb 7)</a:t>
                       </a:r>
                     </a:p>
                   </a:txBody>
@@ -9196,9 +9143,48 @@
                     <a:bodyPr/>
                     <a:lstStyle/>
                     <a:p>
+                      <a:pPr marL="0" marR="0" lvl="0" indent="0" algn="l" defTabSz="914400" rtl="0" eaLnBrk="1" fontAlgn="ctr" latinLnBrk="0" hangingPunct="1">
+                        <a:lnSpc>
+                          <a:spcPct val="100000"/>
+                        </a:lnSpc>
+                        <a:spcBef>
+                          <a:spcPts val="0"/>
+                        </a:spcBef>
+                        <a:spcAft>
+                          <a:spcPts val="0"/>
+                        </a:spcAft>
+                        <a:buClrTx/>
+                        <a:buSzTx/>
+                        <a:buFontTx/>
+                        <a:buNone/>
+                        <a:tabLst/>
+                        <a:defRPr/>
+                      </a:pPr>
+                      <a:r>
+                        <a:rPr lang="en-US" altLang="zh-HK" sz="1600" b="0" i="0" u="none" strike="noStrike" kern="1200" dirty="0">
+                          <a:solidFill>
+                            <a:srgbClr val="000000"/>
+                          </a:solidFill>
+                          <a:effectLst/>
+                          <a:latin typeface="+mn-lt"/>
+                          <a:ea typeface="+mn-ea"/>
+                          <a:cs typeface="+mn-cs"/>
+                        </a:rPr>
+                        <a:t>- Pick an article and dive into it.</a:t>
+                      </a:r>
+                      <a:endParaRPr lang="en-US" sz="1600" b="0" i="0" u="none" strike="noStrike" dirty="0">
+                        <a:solidFill>
+                          <a:srgbClr val="000000"/>
+                        </a:solidFill>
+                        <a:effectLst/>
+                        <a:latin typeface="+mj-lt"/>
+                        <a:ea typeface="新細明體" panose="02020500000000000000" pitchFamily="18" charset="-120"/>
+                      </a:endParaRPr>
+                    </a:p>
+                    <a:p>
                       <a:pPr algn="l" fontAlgn="ctr"/>
                       <a:r>
-                        <a:rPr lang="en-US" sz="1600" b="0" i="0" u="none" strike="noStrike">
+                        <a:rPr lang="en-US" sz="1600" b="0" i="0" u="none" strike="noStrike" dirty="0">
                           <a:solidFill>
                             <a:srgbClr val="000000"/>
                           </a:solidFill>
@@ -9209,7 +9195,7 @@
                         <a:t>- Break down the article.</a:t>
                       </a:r>
                       <a:br>
-                        <a:rPr lang="en-US" sz="1600" b="0" i="0" u="none" strike="noStrike">
+                        <a:rPr lang="en-US" sz="1600" b="0" i="0" u="none" strike="noStrike" dirty="0">
                           <a:solidFill>
                             <a:srgbClr val="000000"/>
                           </a:solidFill>
@@ -9219,7 +9205,7 @@
                         </a:rPr>
                       </a:br>
                       <a:r>
-                        <a:rPr lang="en-US" sz="1600" b="0" i="0" u="none" strike="noStrike">
+                        <a:rPr lang="en-US" sz="1600" b="0" i="0" u="none" strike="noStrike" dirty="0">
                           <a:solidFill>
                             <a:srgbClr val="000000"/>
                           </a:solidFill>
@@ -9322,7 +9308,7 @@
                     <a:p>
                       <a:pPr algn="ctr" fontAlgn="ctr"/>
                       <a:r>
-                        <a:rPr lang="en-US" sz="1600" b="0" i="0" u="none" strike="noStrike">
+                        <a:rPr lang="en-US" sz="1600" b="0" i="0" u="none" strike="noStrike" dirty="0">
                           <a:solidFill>
                             <a:srgbClr val="000000"/>
                           </a:solidFill>
@@ -9392,7 +9378,7 @@
                           <a:latin typeface="+mj-lt"/>
                           <a:ea typeface="新細明體" panose="02020500000000000000" pitchFamily="18" charset="-120"/>
                         </a:rPr>
-                        <a:t>T4 (Feb 21)</a:t>
+                        <a:t>T3 (Feb 21)</a:t>
                       </a:r>
                     </a:p>
                   </a:txBody>
@@ -9551,7 +9537,7 @@
                           <a:latin typeface="+mj-lt"/>
                           <a:ea typeface="新細明體" panose="02020500000000000000" pitchFamily="18" charset="-120"/>
                         </a:rPr>
-                        <a:t>T5 (Feb 28)</a:t>
+                        <a:t>T4 (Feb 28)</a:t>
                       </a:r>
                     </a:p>
                   </a:txBody>
@@ -9667,7 +9653,7 @@
                           <a:latin typeface="+mj-lt"/>
                           <a:ea typeface="新細明體" panose="02020500000000000000" pitchFamily="18" charset="-120"/>
                         </a:rPr>
-                        <a:t>T6 (Mar 13)</a:t>
+                        <a:t>T5 (Mar 13)</a:t>
                       </a:r>
                     </a:p>
                   </a:txBody>
@@ -9783,7 +9769,7 @@
                           <a:latin typeface="+mj-lt"/>
                           <a:ea typeface="新細明體" panose="02020500000000000000" pitchFamily="18" charset="-120"/>
                         </a:rPr>
-                        <a:t>T7 (Mar 20)</a:t>
+                        <a:t>T6 (Mar 20)</a:t>
                       </a:r>
                     </a:p>
                   </a:txBody>
@@ -10019,7 +10005,7 @@
             <p:ph idx="1"/>
             <p:extLst>
               <p:ext uri="{D42A27DB-BD31-4B8C-83A1-F6EECF244321}">
-                <p14:modId xmlns:p14="http://schemas.microsoft.com/office/powerpoint/2010/main" val="3618736544"/>
+                <p14:modId xmlns:p14="http://schemas.microsoft.com/office/powerpoint/2010/main" val="1518561514"/>
               </p:ext>
             </p:extLst>
           </p:nvPr>
@@ -10244,7 +10230,7 @@
                           <a:latin typeface="+mj-lt"/>
                           <a:ea typeface="新細明體" panose="02020500000000000000" pitchFamily="18" charset="-120"/>
                         </a:rPr>
-                        <a:t>T8 (Mar 27)</a:t>
+                        <a:t>T7 (Mar 27)</a:t>
                       </a:r>
                     </a:p>
                   </a:txBody>
@@ -10375,7 +10361,7 @@
                           <a:latin typeface="+mj-lt"/>
                           <a:ea typeface="新細明體" panose="02020500000000000000" pitchFamily="18" charset="-120"/>
                         </a:rPr>
-                        <a:t>T9 (Apr 3)</a:t>
+                        <a:t>T8 (Apr 3)</a:t>
                       </a:r>
                     </a:p>
                   </a:txBody>
@@ -10491,7 +10477,7 @@
                           <a:latin typeface="+mj-lt"/>
                           <a:ea typeface="新細明體" panose="02020500000000000000" pitchFamily="18" charset="-120"/>
                         </a:rPr>
-                        <a:t>T10 (Apr 10)</a:t>
+                        <a:t>T9 (Apr 10)</a:t>
                       </a:r>
                     </a:p>
                   </a:txBody>
@@ -10604,7 +10590,7 @@
                           <a:latin typeface="+mj-lt"/>
                           <a:ea typeface="新細明體" panose="02020500000000000000" pitchFamily="18" charset="-120"/>
                         </a:rPr>
-                        <a:t>T11 (Apr 17)</a:t>
+                        <a:t>T10 (Apr 17)</a:t>
                       </a:r>
                     </a:p>
                   </a:txBody>
@@ -10742,7 +10728,7 @@
                           <a:latin typeface="+mj-lt"/>
                           <a:ea typeface="新細明體" panose="02020500000000000000" pitchFamily="18" charset="-120"/>
                         </a:rPr>
-                        <a:t>T12 (Apr 24)</a:t>
+                        <a:t>T11 (Apr 24)</a:t>
                       </a:r>
                     </a:p>
                   </a:txBody>
